--- a/Dossier BAC2018/DOSSIER bac 2018.pptx
+++ b/Dossier BAC2018/DOSSIER bac 2018.pptx
@@ -5,10 +5,10 @@
     <p:sldMasterId id="2147483660" r:id="rId1"/>
   </p:sldMasterIdLst>
   <p:notesMasterIdLst>
-    <p:notesMasterId r:id="rId20"/>
+    <p:notesMasterId r:id="rId23"/>
   </p:notesMasterIdLst>
   <p:handoutMasterIdLst>
-    <p:handoutMasterId r:id="rId21"/>
+    <p:handoutMasterId r:id="rId24"/>
   </p:handoutMasterIdLst>
   <p:sldIdLst>
     <p:sldId id="256" r:id="rId2"/>
@@ -21,14 +21,17 @@
     <p:sldId id="391" r:id="rId9"/>
     <p:sldId id="392" r:id="rId10"/>
     <p:sldId id="400" r:id="rId11"/>
-    <p:sldId id="393" r:id="rId12"/>
-    <p:sldId id="394" r:id="rId13"/>
-    <p:sldId id="396" r:id="rId14"/>
-    <p:sldId id="397" r:id="rId15"/>
-    <p:sldId id="398" r:id="rId16"/>
-    <p:sldId id="399" r:id="rId17"/>
-    <p:sldId id="401" r:id="rId18"/>
-    <p:sldId id="402" r:id="rId19"/>
+    <p:sldId id="405" r:id="rId12"/>
+    <p:sldId id="393" r:id="rId13"/>
+    <p:sldId id="394" r:id="rId14"/>
+    <p:sldId id="396" r:id="rId15"/>
+    <p:sldId id="397" r:id="rId16"/>
+    <p:sldId id="398" r:id="rId17"/>
+    <p:sldId id="399" r:id="rId18"/>
+    <p:sldId id="404" r:id="rId19"/>
+    <p:sldId id="403" r:id="rId20"/>
+    <p:sldId id="401" r:id="rId21"/>
+    <p:sldId id="402" r:id="rId22"/>
   </p:sldIdLst>
   <p:sldSz cx="15119350" cy="10799763"/>
   <p:notesSz cx="6797675" cy="9926638"/>
@@ -220,7 +223,7 @@
           <a:p>
             <a:fld id="{175ECC00-C06A-4323-852F-768318D8586A}" type="datetimeFigureOut">
               <a:rPr lang="fr-FR" smtClean="0"/>
-              <a:t>27/04/2025</a:t>
+              <a:t>02/05/2025</a:t>
             </a:fld>
             <a:endParaRPr lang="fr-FR"/>
           </a:p>
@@ -385,7 +388,7 @@
           <a:p>
             <a:fld id="{AE8DAB01-C85E-4F33-91A5-B6D112914A5D}" type="datetimeFigureOut">
               <a:rPr lang="fr-FR" smtClean="0"/>
-              <a:t>27/04/2025</a:t>
+              <a:t>02/05/2025</a:t>
             </a:fld>
             <a:endParaRPr lang="fr-FR"/>
           </a:p>
@@ -784,7 +787,7 @@
           <a:p>
             <a:fld id="{A69F3118-5675-4AEB-B17B-1E109ACFC119}" type="datetimeFigureOut">
               <a:rPr lang="fr-FR" smtClean="0"/>
-              <a:t>27/04/2025</a:t>
+              <a:t>02/05/2025</a:t>
             </a:fld>
             <a:endParaRPr lang="fr-FR"/>
           </a:p>
@@ -954,7 +957,7 @@
           <a:p>
             <a:fld id="{A69F3118-5675-4AEB-B17B-1E109ACFC119}" type="datetimeFigureOut">
               <a:rPr lang="fr-FR" smtClean="0"/>
-              <a:t>27/04/2025</a:t>
+              <a:t>02/05/2025</a:t>
             </a:fld>
             <a:endParaRPr lang="fr-FR"/>
           </a:p>
@@ -1134,7 +1137,7 @@
           <a:p>
             <a:fld id="{A69F3118-5675-4AEB-B17B-1E109ACFC119}" type="datetimeFigureOut">
               <a:rPr lang="fr-FR" smtClean="0"/>
-              <a:t>27/04/2025</a:t>
+              <a:t>02/05/2025</a:t>
             </a:fld>
             <a:endParaRPr lang="fr-FR"/>
           </a:p>
@@ -1304,7 +1307,7 @@
           <a:p>
             <a:fld id="{A69F3118-5675-4AEB-B17B-1E109ACFC119}" type="datetimeFigureOut">
               <a:rPr lang="fr-FR" smtClean="0"/>
-              <a:t>27/04/2025</a:t>
+              <a:t>02/05/2025</a:t>
             </a:fld>
             <a:endParaRPr lang="fr-FR"/>
           </a:p>
@@ -1548,7 +1551,7 @@
           <a:p>
             <a:fld id="{A69F3118-5675-4AEB-B17B-1E109ACFC119}" type="datetimeFigureOut">
               <a:rPr lang="fr-FR" smtClean="0"/>
-              <a:t>27/04/2025</a:t>
+              <a:t>02/05/2025</a:t>
             </a:fld>
             <a:endParaRPr lang="fr-FR"/>
           </a:p>
@@ -1780,7 +1783,7 @@
           <a:p>
             <a:fld id="{A69F3118-5675-4AEB-B17B-1E109ACFC119}" type="datetimeFigureOut">
               <a:rPr lang="fr-FR" smtClean="0"/>
-              <a:t>27/04/2025</a:t>
+              <a:t>02/05/2025</a:t>
             </a:fld>
             <a:endParaRPr lang="fr-FR"/>
           </a:p>
@@ -2147,7 +2150,7 @@
           <a:p>
             <a:fld id="{A69F3118-5675-4AEB-B17B-1E109ACFC119}" type="datetimeFigureOut">
               <a:rPr lang="fr-FR" smtClean="0"/>
-              <a:t>27/04/2025</a:t>
+              <a:t>02/05/2025</a:t>
             </a:fld>
             <a:endParaRPr lang="fr-FR"/>
           </a:p>
@@ -2265,7 +2268,7 @@
           <a:p>
             <a:fld id="{A69F3118-5675-4AEB-B17B-1E109ACFC119}" type="datetimeFigureOut">
               <a:rPr lang="fr-FR" smtClean="0"/>
-              <a:t>27/04/2025</a:t>
+              <a:t>02/05/2025</a:t>
             </a:fld>
             <a:endParaRPr lang="fr-FR"/>
           </a:p>
@@ -2360,7 +2363,7 @@
           <a:p>
             <a:fld id="{A69F3118-5675-4AEB-B17B-1E109ACFC119}" type="datetimeFigureOut">
               <a:rPr lang="fr-FR" smtClean="0"/>
-              <a:t>27/04/2025</a:t>
+              <a:t>02/05/2025</a:t>
             </a:fld>
             <a:endParaRPr lang="fr-FR"/>
           </a:p>
@@ -2637,7 +2640,7 @@
           <a:p>
             <a:fld id="{A69F3118-5675-4AEB-B17B-1E109ACFC119}" type="datetimeFigureOut">
               <a:rPr lang="fr-FR" smtClean="0"/>
-              <a:t>27/04/2025</a:t>
+              <a:t>02/05/2025</a:t>
             </a:fld>
             <a:endParaRPr lang="fr-FR"/>
           </a:p>
@@ -2894,7 +2897,7 @@
           <a:p>
             <a:fld id="{A69F3118-5675-4AEB-B17B-1E109ACFC119}" type="datetimeFigureOut">
               <a:rPr lang="fr-FR" smtClean="0"/>
-              <a:t>27/04/2025</a:t>
+              <a:t>02/05/2025</a:t>
             </a:fld>
             <a:endParaRPr lang="fr-FR"/>
           </a:p>
@@ -3107,7 +3110,7 @@
           <a:p>
             <a:fld id="{A69F3118-5675-4AEB-B17B-1E109ACFC119}" type="datetimeFigureOut">
               <a:rPr lang="fr-FR" smtClean="0"/>
-              <a:t>27/04/2025</a:t>
+              <a:t>02/05/2025</a:t>
             </a:fld>
             <a:endParaRPr lang="fr-FR"/>
           </a:p>
@@ -4335,30 +4338,8 @@
           </a:fontRef>
         </p:style>
         <p:txBody>
-          <a:bodyPr rtlCol="0" anchor="t"/>
+          <a:bodyPr rtlCol="0" anchor="b"/>
           <a:lstStyle/>
-          <a:p>
-            <a:pPr marL="72000"/>
-            <a:endParaRPr lang="fr-FR" sz="1400" dirty="0">
-              <a:solidFill>
-                <a:schemeClr val="tx1"/>
-              </a:solidFill>
-              <a:latin typeface="Comic Sans MS" panose="030F0702030302020204" pitchFamily="66" charset="0"/>
-              <a:ea typeface="JetBrains Mono" panose="02000009000000000000" pitchFamily="49" charset="0"/>
-              <a:cs typeface="Courier New" panose="02070309020205020404" pitchFamily="49" charset="0"/>
-            </a:endParaRPr>
-          </a:p>
-          <a:p>
-            <a:pPr marL="72000"/>
-            <a:endParaRPr lang="fr-FR" sz="1400" dirty="0">
-              <a:solidFill>
-                <a:schemeClr val="tx1"/>
-              </a:solidFill>
-              <a:latin typeface="Comic Sans MS" panose="030F0702030302020204" pitchFamily="66" charset="0"/>
-              <a:ea typeface="JetBrains Mono" panose="02000009000000000000" pitchFamily="49" charset="0"/>
-              <a:cs typeface="Courier New" panose="02070309020205020404" pitchFamily="49" charset="0"/>
-            </a:endParaRPr>
-          </a:p>
           <a:p>
             <a:pPr marL="72000"/>
             <a:endParaRPr lang="fr-FR" sz="1400" dirty="0">
@@ -4570,7 +4551,7 @@
                 <a:ea typeface="JetBrains Mono" panose="02000009000000000000" pitchFamily="49" charset="0"/>
                 <a:cs typeface="JetBrains Mono" panose="02000009000000000000" pitchFamily="49" charset="0"/>
               </a:rPr>
-              <a:t>Evaluation : Vocabulaire technique</a:t>
+              <a:t>Evaluation : Les différents plans</a:t>
             </a:r>
           </a:p>
         </p:txBody>
@@ -4589,6 +4570,910 @@
 </file>
 
 <file path=ppt/slides/slide11.xml><?xml version="1.0" encoding="utf-8"?>
+<p:sld xmlns:a="http://schemas.openxmlformats.org/drawingml/2006/main" xmlns:r="http://schemas.openxmlformats.org/officeDocument/2006/relationships" xmlns:p="http://schemas.openxmlformats.org/presentationml/2006/main">
+  <p:cSld>
+    <p:spTree>
+      <p:nvGrpSpPr>
+        <p:cNvPr id="1" name=""/>
+        <p:cNvGrpSpPr/>
+        <p:nvPr/>
+      </p:nvGrpSpPr>
+      <p:grpSpPr>
+        <a:xfrm>
+          <a:off x="0" y="0"/>
+          <a:ext cx="0" cy="0"/>
+          <a:chOff x="0" y="0"/>
+          <a:chExt cx="0" cy="0"/>
+        </a:xfrm>
+      </p:grpSpPr>
+      <p:sp>
+        <p:nvSpPr>
+          <p:cNvPr id="17" name="Rectangle 16"/>
+          <p:cNvSpPr/>
+          <p:nvPr/>
+        </p:nvSpPr>
+        <p:spPr>
+          <a:xfrm>
+            <a:off x="4039557" y="179881"/>
+            <a:ext cx="7040235" cy="10440000"/>
+          </a:xfrm>
+          <a:prstGeom prst="rect">
+            <a:avLst/>
+          </a:prstGeom>
+          <a:ln w="57150"/>
+        </p:spPr>
+        <p:style>
+          <a:lnRef idx="2">
+            <a:schemeClr val="dk1"/>
+          </a:lnRef>
+          <a:fillRef idx="1">
+            <a:schemeClr val="lt1"/>
+          </a:fillRef>
+          <a:effectRef idx="0">
+            <a:schemeClr val="dk1"/>
+          </a:effectRef>
+          <a:fontRef idx="minor">
+            <a:schemeClr val="dk1"/>
+          </a:fontRef>
+        </p:style>
+        <p:txBody>
+          <a:bodyPr rtlCol="0" anchor="b"/>
+          <a:lstStyle/>
+          <a:p>
+            <a:pPr marL="72000"/>
+            <a:r>
+              <a:rPr lang="fr-FR" sz="1400" dirty="0">
+                <a:solidFill>
+                  <a:schemeClr val="tx1"/>
+                </a:solidFill>
+                <a:latin typeface="Comic Sans MS" panose="030F0702030302020204" pitchFamily="66" charset="0"/>
+                <a:ea typeface="JetBrains Mono" panose="02000009000000000000" pitchFamily="49" charset="0"/>
+                <a:cs typeface="Courier New" panose="02070309020205020404" pitchFamily="49" charset="0"/>
+              </a:rPr>
+              <a:t>Comment déterminer l’orientation et l’exposition ?</a:t>
+            </a:r>
+          </a:p>
+          <a:p>
+            <a:pPr marL="72000"/>
+            <a:endParaRPr lang="fr-FR" sz="1400" dirty="0">
+              <a:solidFill>
+                <a:schemeClr val="tx1"/>
+              </a:solidFill>
+              <a:latin typeface="Comic Sans MS" panose="030F0702030302020204" pitchFamily="66" charset="0"/>
+              <a:ea typeface="JetBrains Mono" panose="02000009000000000000" pitchFamily="49" charset="0"/>
+              <a:cs typeface="Courier New" panose="02070309020205020404" pitchFamily="49" charset="0"/>
+            </a:endParaRPr>
+          </a:p>
+          <a:p>
+            <a:pPr marL="72000"/>
+            <a:r>
+              <a:rPr lang="fr-FR" sz="1400" dirty="0">
+                <a:solidFill>
+                  <a:schemeClr val="tx1"/>
+                </a:solidFill>
+                <a:latin typeface="Comic Sans MS" panose="030F0702030302020204" pitchFamily="66" charset="0"/>
+                <a:ea typeface="JetBrains Mono" panose="02000009000000000000" pitchFamily="49" charset="0"/>
+                <a:cs typeface="Courier New" panose="02070309020205020404" pitchFamily="49" charset="0"/>
+              </a:rPr>
+              <a:t>1. Repérer la flèche du nord</a:t>
+            </a:r>
+          </a:p>
+          <a:p>
+            <a:pPr marL="72000"/>
+            <a:r>
+              <a:rPr lang="fr-FR" sz="1400" dirty="0">
+                <a:solidFill>
+                  <a:schemeClr val="tx1"/>
+                </a:solidFill>
+                <a:latin typeface="Comic Sans MS" panose="030F0702030302020204" pitchFamily="66" charset="0"/>
+                <a:ea typeface="JetBrains Mono" panose="02000009000000000000" pitchFamily="49" charset="0"/>
+                <a:cs typeface="Courier New" panose="02070309020205020404" pitchFamily="49" charset="0"/>
+              </a:rPr>
+              <a:t>Sur tout plan d’architecture, il y a généralement une flèche indiquant le nord géographique (souvent en haut à droite ou sur le côté du plan).Cette flèche est la référence principale pour déterminer l’orientation.</a:t>
+            </a:r>
+          </a:p>
+          <a:p>
+            <a:pPr marL="72000"/>
+            <a:endParaRPr lang="fr-FR" sz="1400" dirty="0">
+              <a:solidFill>
+                <a:schemeClr val="tx1"/>
+              </a:solidFill>
+              <a:latin typeface="Comic Sans MS" panose="030F0702030302020204" pitchFamily="66" charset="0"/>
+              <a:ea typeface="JetBrains Mono" panose="02000009000000000000" pitchFamily="49" charset="0"/>
+              <a:cs typeface="Courier New" panose="02070309020205020404" pitchFamily="49" charset="0"/>
+            </a:endParaRPr>
+          </a:p>
+          <a:p>
+            <a:pPr marL="72000"/>
+            <a:r>
+              <a:rPr lang="fr-FR" sz="1400" dirty="0">
+                <a:solidFill>
+                  <a:schemeClr val="tx1"/>
+                </a:solidFill>
+                <a:latin typeface="Comic Sans MS" panose="030F0702030302020204" pitchFamily="66" charset="0"/>
+                <a:ea typeface="JetBrains Mono" panose="02000009000000000000" pitchFamily="49" charset="0"/>
+                <a:cs typeface="Courier New" panose="02070309020205020404" pitchFamily="49" charset="0"/>
+              </a:rPr>
+              <a:t>2. Analyser les façades ou les pièces par rapport au nord</a:t>
+            </a:r>
+          </a:p>
+          <a:p>
+            <a:pPr marL="72000"/>
+            <a:r>
+              <a:rPr lang="fr-FR" sz="1400" dirty="0">
+                <a:solidFill>
+                  <a:schemeClr val="tx1"/>
+                </a:solidFill>
+                <a:latin typeface="Comic Sans MS" panose="030F0702030302020204" pitchFamily="66" charset="0"/>
+                <a:ea typeface="JetBrains Mono" panose="02000009000000000000" pitchFamily="49" charset="0"/>
+                <a:cs typeface="Courier New" panose="02070309020205020404" pitchFamily="49" charset="0"/>
+              </a:rPr>
+              <a:t>À partir de la flèche du nord, tu peux déterminer :</a:t>
+            </a:r>
+          </a:p>
+          <a:p>
+            <a:pPr marL="72000"/>
+            <a:r>
+              <a:rPr lang="fr-FR" sz="1400" dirty="0">
+                <a:solidFill>
+                  <a:schemeClr val="tx1"/>
+                </a:solidFill>
+                <a:latin typeface="Comic Sans MS" panose="030F0702030302020204" pitchFamily="66" charset="0"/>
+                <a:ea typeface="JetBrains Mono" panose="02000009000000000000" pitchFamily="49" charset="0"/>
+                <a:cs typeface="Courier New" panose="02070309020205020404" pitchFamily="49" charset="0"/>
+              </a:rPr>
+              <a:t>Quelle façade est au sud (face opposée au nord)</a:t>
+            </a:r>
+          </a:p>
+          <a:p>
+            <a:pPr marL="72000"/>
+            <a:r>
+              <a:rPr lang="fr-FR" sz="1400" dirty="0">
+                <a:solidFill>
+                  <a:schemeClr val="tx1"/>
+                </a:solidFill>
+                <a:latin typeface="Comic Sans MS" panose="030F0702030302020204" pitchFamily="66" charset="0"/>
+                <a:ea typeface="JetBrains Mono" panose="02000009000000000000" pitchFamily="49" charset="0"/>
+                <a:cs typeface="Courier New" panose="02070309020205020404" pitchFamily="49" charset="0"/>
+              </a:rPr>
+              <a:t>Quelle est à l’est (à droite du nord)</a:t>
+            </a:r>
+          </a:p>
+          <a:p>
+            <a:pPr marL="72000"/>
+            <a:r>
+              <a:rPr lang="fr-FR" sz="1400" dirty="0">
+                <a:solidFill>
+                  <a:schemeClr val="tx1"/>
+                </a:solidFill>
+                <a:latin typeface="Comic Sans MS" panose="030F0702030302020204" pitchFamily="66" charset="0"/>
+                <a:ea typeface="JetBrains Mono" panose="02000009000000000000" pitchFamily="49" charset="0"/>
+                <a:cs typeface="Courier New" panose="02070309020205020404" pitchFamily="49" charset="0"/>
+              </a:rPr>
+              <a:t>Quelle est à l’ouest (à gauche du nord)</a:t>
+            </a:r>
+          </a:p>
+          <a:p>
+            <a:pPr marL="72000"/>
+            <a:endParaRPr lang="fr-FR" sz="1400" dirty="0">
+              <a:solidFill>
+                <a:schemeClr val="tx1"/>
+              </a:solidFill>
+              <a:latin typeface="Comic Sans MS" panose="030F0702030302020204" pitchFamily="66" charset="0"/>
+              <a:ea typeface="JetBrains Mono" panose="02000009000000000000" pitchFamily="49" charset="0"/>
+              <a:cs typeface="Courier New" panose="02070309020205020404" pitchFamily="49" charset="0"/>
+            </a:endParaRPr>
+          </a:p>
+          <a:p>
+            <a:pPr marL="72000"/>
+            <a:r>
+              <a:rPr lang="fr-FR" sz="1400" dirty="0">
+                <a:solidFill>
+                  <a:schemeClr val="tx1"/>
+                </a:solidFill>
+                <a:latin typeface="Comic Sans MS" panose="030F0702030302020204" pitchFamily="66" charset="0"/>
+                <a:ea typeface="JetBrains Mono" panose="02000009000000000000" pitchFamily="49" charset="0"/>
+                <a:cs typeface="Courier New" panose="02070309020205020404" pitchFamily="49" charset="0"/>
+              </a:rPr>
+              <a:t>3. Déduire l’exposition</a:t>
+            </a:r>
+          </a:p>
+          <a:p>
+            <a:pPr marL="72000"/>
+            <a:r>
+              <a:rPr lang="fr-FR" sz="1400" dirty="0">
+                <a:solidFill>
+                  <a:schemeClr val="tx1"/>
+                </a:solidFill>
+                <a:latin typeface="Comic Sans MS" panose="030F0702030302020204" pitchFamily="66" charset="0"/>
+                <a:ea typeface="JetBrains Mono" panose="02000009000000000000" pitchFamily="49" charset="0"/>
+                <a:cs typeface="Courier New" panose="02070309020205020404" pitchFamily="49" charset="0"/>
+              </a:rPr>
+              <a:t>En fonction de l’orientation, on en déduit l’exposition :</a:t>
+            </a:r>
+          </a:p>
+          <a:p>
+            <a:pPr marL="72000"/>
+            <a:r>
+              <a:rPr lang="fr-FR" sz="1400" dirty="0">
+                <a:solidFill>
+                  <a:schemeClr val="tx1"/>
+                </a:solidFill>
+                <a:latin typeface="Comic Sans MS" panose="030F0702030302020204" pitchFamily="66" charset="0"/>
+                <a:ea typeface="JetBrains Mono" panose="02000009000000000000" pitchFamily="49" charset="0"/>
+                <a:cs typeface="Courier New" panose="02070309020205020404" pitchFamily="49" charset="0"/>
+              </a:rPr>
+              <a:t>Sud / Sud-Ouest : très bonne exposition (beaucoup de soleil en journée)</a:t>
+            </a:r>
+          </a:p>
+          <a:p>
+            <a:pPr marL="72000"/>
+            <a:r>
+              <a:rPr lang="fr-FR" sz="1400" dirty="0">
+                <a:solidFill>
+                  <a:schemeClr val="tx1"/>
+                </a:solidFill>
+                <a:latin typeface="Comic Sans MS" panose="030F0702030302020204" pitchFamily="66" charset="0"/>
+                <a:ea typeface="JetBrains Mono" panose="02000009000000000000" pitchFamily="49" charset="0"/>
+                <a:cs typeface="Courier New" panose="02070309020205020404" pitchFamily="49" charset="0"/>
+              </a:rPr>
+              <a:t>Est : soleil le matin</a:t>
+            </a:r>
+          </a:p>
+          <a:p>
+            <a:pPr marL="72000"/>
+            <a:r>
+              <a:rPr lang="fr-FR" sz="1400" dirty="0">
+                <a:solidFill>
+                  <a:schemeClr val="tx1"/>
+                </a:solidFill>
+                <a:latin typeface="Comic Sans MS" panose="030F0702030302020204" pitchFamily="66" charset="0"/>
+                <a:ea typeface="JetBrains Mono" panose="02000009000000000000" pitchFamily="49" charset="0"/>
+                <a:cs typeface="Courier New" panose="02070309020205020404" pitchFamily="49" charset="0"/>
+              </a:rPr>
+              <a:t>Ouest : soleil l’après-midi</a:t>
+            </a:r>
+          </a:p>
+          <a:p>
+            <a:pPr marL="72000"/>
+            <a:r>
+              <a:rPr lang="fr-FR" sz="1400" dirty="0">
+                <a:solidFill>
+                  <a:schemeClr val="tx1"/>
+                </a:solidFill>
+                <a:latin typeface="Comic Sans MS" panose="030F0702030302020204" pitchFamily="66" charset="0"/>
+                <a:ea typeface="JetBrains Mono" panose="02000009000000000000" pitchFamily="49" charset="0"/>
+                <a:cs typeface="Courier New" panose="02070309020205020404" pitchFamily="49" charset="0"/>
+              </a:rPr>
+              <a:t>Nord : exposition froide, peu de soleil</a:t>
+            </a:r>
+          </a:p>
+          <a:p>
+            <a:pPr marL="72000"/>
+            <a:r>
+              <a:rPr lang="fr-FR" sz="1400" dirty="0">
+                <a:solidFill>
+                  <a:schemeClr val="tx1"/>
+                </a:solidFill>
+                <a:latin typeface="Comic Sans MS" panose="030F0702030302020204" pitchFamily="66" charset="0"/>
+                <a:ea typeface="JetBrains Mono" panose="02000009000000000000" pitchFamily="49" charset="0"/>
+                <a:cs typeface="Courier New" panose="02070309020205020404" pitchFamily="49" charset="0"/>
+              </a:rPr>
+              <a:t>Sur le plan, regarde les pièces principales (séjour, cuisine, chambres) et note de quel côté se trouvent leurs fenêtres → cela te donne leur exposition.</a:t>
+            </a:r>
+          </a:p>
+          <a:p>
+            <a:pPr marL="72000"/>
+            <a:endParaRPr lang="fr-FR" sz="1400" dirty="0">
+              <a:solidFill>
+                <a:schemeClr val="tx1"/>
+              </a:solidFill>
+              <a:latin typeface="Comic Sans MS" panose="030F0702030302020204" pitchFamily="66" charset="0"/>
+              <a:ea typeface="JetBrains Mono" panose="02000009000000000000" pitchFamily="49" charset="0"/>
+              <a:cs typeface="Courier New" panose="02070309020205020404" pitchFamily="49" charset="0"/>
+            </a:endParaRPr>
+          </a:p>
+        </p:txBody>
+      </p:sp>
+      <p:sp>
+        <p:nvSpPr>
+          <p:cNvPr id="18" name="Rectangle 17"/>
+          <p:cNvSpPr/>
+          <p:nvPr/>
+        </p:nvSpPr>
+        <p:spPr>
+          <a:xfrm>
+            <a:off x="142517" y="1390649"/>
+            <a:ext cx="3763202" cy="9229231"/>
+          </a:xfrm>
+          <a:prstGeom prst="rect">
+            <a:avLst/>
+          </a:prstGeom>
+          <a:ln w="57150"/>
+        </p:spPr>
+        <p:style>
+          <a:lnRef idx="2">
+            <a:schemeClr val="dk1"/>
+          </a:lnRef>
+          <a:fillRef idx="1">
+            <a:schemeClr val="lt1"/>
+          </a:fillRef>
+          <a:effectRef idx="0">
+            <a:schemeClr val="dk1"/>
+          </a:effectRef>
+          <a:fontRef idx="minor">
+            <a:schemeClr val="dk1"/>
+          </a:fontRef>
+        </p:style>
+        <p:txBody>
+          <a:bodyPr rtlCol="0" anchor="ctr"/>
+          <a:lstStyle/>
+          <a:p>
+            <a:pPr marL="72000"/>
+            <a:r>
+              <a:rPr lang="fr-FR" sz="1400" b="1" dirty="0">
+                <a:solidFill>
+                  <a:schemeClr val="tx1"/>
+                </a:solidFill>
+                <a:latin typeface="Comic Sans MS" panose="030F0702030302020204" pitchFamily="66" charset="0"/>
+                <a:ea typeface="JetBrains Mono" panose="02000009000000000000" pitchFamily="49" charset="0"/>
+                <a:cs typeface="Courier New" panose="02070309020205020404" pitchFamily="49" charset="0"/>
+              </a:rPr>
+              <a:t>La différence entre orientation et exposition :</a:t>
+            </a:r>
+          </a:p>
+          <a:p>
+            <a:pPr marL="72000"/>
+            <a:endParaRPr lang="fr-FR" sz="1400" b="1" dirty="0">
+              <a:solidFill>
+                <a:schemeClr val="tx1"/>
+              </a:solidFill>
+              <a:latin typeface="Comic Sans MS" panose="030F0702030302020204" pitchFamily="66" charset="0"/>
+              <a:ea typeface="JetBrains Mono" panose="02000009000000000000" pitchFamily="49" charset="0"/>
+              <a:cs typeface="Courier New" panose="02070309020205020404" pitchFamily="49" charset="0"/>
+            </a:endParaRPr>
+          </a:p>
+          <a:p>
+            <a:pPr marL="72000"/>
+            <a:r>
+              <a:rPr lang="fr-FR" sz="1400" b="1" dirty="0">
+                <a:solidFill>
+                  <a:schemeClr val="tx1"/>
+                </a:solidFill>
+                <a:latin typeface="Comic Sans MS" panose="030F0702030302020204" pitchFamily="66" charset="0"/>
+                <a:ea typeface="JetBrains Mono" panose="02000009000000000000" pitchFamily="49" charset="0"/>
+                <a:cs typeface="Courier New" panose="02070309020205020404" pitchFamily="49" charset="0"/>
+              </a:rPr>
+              <a:t>Orientation</a:t>
+            </a:r>
+          </a:p>
+          <a:p>
+            <a:pPr marL="72000"/>
+            <a:r>
+              <a:rPr lang="fr-FR" sz="1400" dirty="0">
+                <a:solidFill>
+                  <a:schemeClr val="tx1"/>
+                </a:solidFill>
+                <a:latin typeface="Comic Sans MS" panose="030F0702030302020204" pitchFamily="66" charset="0"/>
+                <a:ea typeface="JetBrains Mono" panose="02000009000000000000" pitchFamily="49" charset="0"/>
+                <a:cs typeface="Courier New" panose="02070309020205020404" pitchFamily="49" charset="0"/>
+              </a:rPr>
+              <a:t>Définition : L'orientation désigne la position d'un bâtiment ou d'une pièce par rapport aux points cardinaux (nord, sud, est, ouest).</a:t>
+            </a:r>
+          </a:p>
+          <a:p>
+            <a:pPr marL="72000"/>
+            <a:endParaRPr lang="fr-FR" sz="1400" dirty="0">
+              <a:solidFill>
+                <a:schemeClr val="tx1"/>
+              </a:solidFill>
+              <a:latin typeface="Comic Sans MS" panose="030F0702030302020204" pitchFamily="66" charset="0"/>
+              <a:ea typeface="JetBrains Mono" panose="02000009000000000000" pitchFamily="49" charset="0"/>
+              <a:cs typeface="Courier New" panose="02070309020205020404" pitchFamily="49" charset="0"/>
+            </a:endParaRPr>
+          </a:p>
+          <a:p>
+            <a:pPr marL="72000"/>
+            <a:r>
+              <a:rPr lang="fr-FR" sz="1400" dirty="0">
+                <a:solidFill>
+                  <a:schemeClr val="tx1"/>
+                </a:solidFill>
+                <a:latin typeface="Comic Sans MS" panose="030F0702030302020204" pitchFamily="66" charset="0"/>
+                <a:ea typeface="JetBrains Mono" panose="02000009000000000000" pitchFamily="49" charset="0"/>
+                <a:cs typeface="Courier New" panose="02070309020205020404" pitchFamily="49" charset="0"/>
+              </a:rPr>
+              <a:t>Sur un plan : Elle est souvent indiquée par une rose des vents ou une flèche du nord.</a:t>
+            </a:r>
+          </a:p>
+          <a:p>
+            <a:pPr marL="72000"/>
+            <a:endParaRPr lang="fr-FR" sz="1400" dirty="0">
+              <a:solidFill>
+                <a:schemeClr val="tx1"/>
+              </a:solidFill>
+              <a:latin typeface="Comic Sans MS" panose="030F0702030302020204" pitchFamily="66" charset="0"/>
+              <a:ea typeface="JetBrains Mono" panose="02000009000000000000" pitchFamily="49" charset="0"/>
+              <a:cs typeface="Courier New" panose="02070309020205020404" pitchFamily="49" charset="0"/>
+            </a:endParaRPr>
+          </a:p>
+          <a:p>
+            <a:pPr marL="72000"/>
+            <a:r>
+              <a:rPr lang="fr-FR" sz="1400" b="1" dirty="0">
+                <a:solidFill>
+                  <a:schemeClr val="tx1"/>
+                </a:solidFill>
+                <a:latin typeface="Comic Sans MS" panose="030F0702030302020204" pitchFamily="66" charset="0"/>
+                <a:ea typeface="JetBrains Mono" panose="02000009000000000000" pitchFamily="49" charset="0"/>
+                <a:cs typeface="Courier New" panose="02070309020205020404" pitchFamily="49" charset="0"/>
+              </a:rPr>
+              <a:t>Exemple : </a:t>
+            </a:r>
+            <a:r>
+              <a:rPr lang="fr-FR" sz="1400" dirty="0">
+                <a:solidFill>
+                  <a:schemeClr val="tx1"/>
+                </a:solidFill>
+                <a:latin typeface="Comic Sans MS" panose="030F0702030302020204" pitchFamily="66" charset="0"/>
+                <a:ea typeface="JetBrains Mono" panose="02000009000000000000" pitchFamily="49" charset="0"/>
+                <a:cs typeface="Courier New" panose="02070309020205020404" pitchFamily="49" charset="0"/>
+              </a:rPr>
+              <a:t>« Cette façade est orientée au sud-est » → Cela signifie qu’elle fait face au sud-est.</a:t>
+            </a:r>
+          </a:p>
+          <a:p>
+            <a:pPr marL="72000"/>
+            <a:endParaRPr lang="fr-FR" sz="1400" dirty="0">
+              <a:solidFill>
+                <a:schemeClr val="tx1"/>
+              </a:solidFill>
+              <a:latin typeface="Comic Sans MS" panose="030F0702030302020204" pitchFamily="66" charset="0"/>
+              <a:ea typeface="JetBrains Mono" panose="02000009000000000000" pitchFamily="49" charset="0"/>
+              <a:cs typeface="Courier New" panose="02070309020205020404" pitchFamily="49" charset="0"/>
+            </a:endParaRPr>
+          </a:p>
+          <a:p>
+            <a:pPr marL="72000"/>
+            <a:r>
+              <a:rPr lang="fr-FR" sz="1400" b="1" dirty="0">
+                <a:solidFill>
+                  <a:schemeClr val="tx1"/>
+                </a:solidFill>
+                <a:latin typeface="Comic Sans MS" panose="030F0702030302020204" pitchFamily="66" charset="0"/>
+                <a:ea typeface="JetBrains Mono" panose="02000009000000000000" pitchFamily="49" charset="0"/>
+                <a:cs typeface="Courier New" panose="02070309020205020404" pitchFamily="49" charset="0"/>
+              </a:rPr>
+              <a:t>Exposition</a:t>
+            </a:r>
+          </a:p>
+          <a:p>
+            <a:pPr marL="72000"/>
+            <a:r>
+              <a:rPr lang="fr-FR" sz="1400" dirty="0">
+                <a:solidFill>
+                  <a:schemeClr val="tx1"/>
+                </a:solidFill>
+                <a:latin typeface="Comic Sans MS" panose="030F0702030302020204" pitchFamily="66" charset="0"/>
+                <a:ea typeface="JetBrains Mono" panose="02000009000000000000" pitchFamily="49" charset="0"/>
+                <a:cs typeface="Courier New" panose="02070309020205020404" pitchFamily="49" charset="0"/>
+              </a:rPr>
+              <a:t>Définition : L'exposition concerne la manière dont un bâtiment ou une pièce reçoit la lumière naturelle et la chaleur du soleil, en fonction de son orientation.</a:t>
+            </a:r>
+          </a:p>
+          <a:p>
+            <a:pPr marL="72000"/>
+            <a:endParaRPr lang="fr-FR" sz="1400" dirty="0">
+              <a:solidFill>
+                <a:schemeClr val="tx1"/>
+              </a:solidFill>
+              <a:latin typeface="Comic Sans MS" panose="030F0702030302020204" pitchFamily="66" charset="0"/>
+              <a:ea typeface="JetBrains Mono" panose="02000009000000000000" pitchFamily="49" charset="0"/>
+              <a:cs typeface="Courier New" panose="02070309020205020404" pitchFamily="49" charset="0"/>
+            </a:endParaRPr>
+          </a:p>
+          <a:p>
+            <a:pPr marL="72000"/>
+            <a:r>
+              <a:rPr lang="fr-FR" sz="1400" dirty="0">
+                <a:solidFill>
+                  <a:schemeClr val="tx1"/>
+                </a:solidFill>
+                <a:latin typeface="Comic Sans MS" panose="030F0702030302020204" pitchFamily="66" charset="0"/>
+                <a:ea typeface="JetBrains Mono" panose="02000009000000000000" pitchFamily="49" charset="0"/>
+                <a:cs typeface="Courier New" panose="02070309020205020404" pitchFamily="49" charset="0"/>
+              </a:rPr>
+              <a:t>Conséquence : Elle influe sur le confort thermique, l’éclairage naturel, et les performances énergétiques.</a:t>
+            </a:r>
+          </a:p>
+          <a:p>
+            <a:pPr marL="72000"/>
+            <a:endParaRPr lang="fr-FR" sz="1400" dirty="0">
+              <a:solidFill>
+                <a:schemeClr val="tx1"/>
+              </a:solidFill>
+              <a:latin typeface="Comic Sans MS" panose="030F0702030302020204" pitchFamily="66" charset="0"/>
+              <a:ea typeface="JetBrains Mono" panose="02000009000000000000" pitchFamily="49" charset="0"/>
+              <a:cs typeface="Courier New" panose="02070309020205020404" pitchFamily="49" charset="0"/>
+            </a:endParaRPr>
+          </a:p>
+          <a:p>
+            <a:pPr marL="72000"/>
+            <a:r>
+              <a:rPr lang="fr-FR" sz="1400" b="1" dirty="0">
+                <a:solidFill>
+                  <a:schemeClr val="tx1"/>
+                </a:solidFill>
+                <a:latin typeface="Comic Sans MS" panose="030F0702030302020204" pitchFamily="66" charset="0"/>
+                <a:ea typeface="JetBrains Mono" panose="02000009000000000000" pitchFamily="49" charset="0"/>
+                <a:cs typeface="Courier New" panose="02070309020205020404" pitchFamily="49" charset="0"/>
+              </a:rPr>
+              <a:t>Exemple : </a:t>
+            </a:r>
+            <a:r>
+              <a:rPr lang="fr-FR" sz="1400" dirty="0">
+                <a:solidFill>
+                  <a:schemeClr val="tx1"/>
+                </a:solidFill>
+                <a:latin typeface="Comic Sans MS" panose="030F0702030302020204" pitchFamily="66" charset="0"/>
+                <a:ea typeface="JetBrains Mono" panose="02000009000000000000" pitchFamily="49" charset="0"/>
+                <a:cs typeface="Courier New" panose="02070309020205020404" pitchFamily="49" charset="0"/>
+              </a:rPr>
+              <a:t>« Ce séjour est bien exposé » → Cela signifie qu’il est orienté vers le sud ou l’ouest, donc il reçoit beaucoup de lumière.</a:t>
+            </a:r>
+          </a:p>
+          <a:p>
+            <a:pPr marL="72000"/>
+            <a:endParaRPr lang="fr-FR" sz="1400" b="1" dirty="0">
+              <a:solidFill>
+                <a:schemeClr val="tx1"/>
+              </a:solidFill>
+              <a:latin typeface="Comic Sans MS" panose="030F0702030302020204" pitchFamily="66" charset="0"/>
+              <a:ea typeface="JetBrains Mono" panose="02000009000000000000" pitchFamily="49" charset="0"/>
+              <a:cs typeface="Courier New" panose="02070309020205020404" pitchFamily="49" charset="0"/>
+            </a:endParaRPr>
+          </a:p>
+          <a:p>
+            <a:pPr marL="72000"/>
+            <a:r>
+              <a:rPr lang="fr-FR" sz="1400" b="1" dirty="0">
+                <a:solidFill>
+                  <a:schemeClr val="tx1"/>
+                </a:solidFill>
+                <a:latin typeface="Comic Sans MS" panose="030F0702030302020204" pitchFamily="66" charset="0"/>
+                <a:ea typeface="JetBrains Mono" panose="02000009000000000000" pitchFamily="49" charset="0"/>
+                <a:cs typeface="Courier New" panose="02070309020205020404" pitchFamily="49" charset="0"/>
+              </a:rPr>
+              <a:t>📌 En résumé :</a:t>
+            </a:r>
+          </a:p>
+          <a:p>
+            <a:pPr marL="72000"/>
+            <a:r>
+              <a:rPr lang="fr-FR" sz="1400" dirty="0">
+                <a:solidFill>
+                  <a:schemeClr val="tx1"/>
+                </a:solidFill>
+                <a:latin typeface="Comic Sans MS" panose="030F0702030302020204" pitchFamily="66" charset="0"/>
+                <a:ea typeface="JetBrains Mono" panose="02000009000000000000" pitchFamily="49" charset="0"/>
+                <a:cs typeface="Courier New" panose="02070309020205020404" pitchFamily="49" charset="0"/>
+              </a:rPr>
+              <a:t>Orientation = direction physique (vers où ça regarde).</a:t>
+            </a:r>
+          </a:p>
+          <a:p>
+            <a:pPr marL="72000"/>
+            <a:endParaRPr lang="fr-FR" sz="1400" dirty="0">
+              <a:solidFill>
+                <a:schemeClr val="tx1"/>
+              </a:solidFill>
+              <a:latin typeface="Comic Sans MS" panose="030F0702030302020204" pitchFamily="66" charset="0"/>
+              <a:ea typeface="JetBrains Mono" panose="02000009000000000000" pitchFamily="49" charset="0"/>
+              <a:cs typeface="Courier New" panose="02070309020205020404" pitchFamily="49" charset="0"/>
+            </a:endParaRPr>
+          </a:p>
+          <a:p>
+            <a:pPr marL="72000"/>
+            <a:r>
+              <a:rPr lang="fr-FR" sz="1400" dirty="0">
+                <a:solidFill>
+                  <a:schemeClr val="tx1"/>
+                </a:solidFill>
+                <a:latin typeface="Comic Sans MS" panose="030F0702030302020204" pitchFamily="66" charset="0"/>
+                <a:ea typeface="JetBrains Mono" panose="02000009000000000000" pitchFamily="49" charset="0"/>
+                <a:cs typeface="Courier New" panose="02070309020205020404" pitchFamily="49" charset="0"/>
+              </a:rPr>
+              <a:t>Exposition = conséquence de l’orientation sur la lumière et la chaleur reçues.</a:t>
+            </a:r>
+          </a:p>
+        </p:txBody>
+      </p:sp>
+      <p:sp>
+        <p:nvSpPr>
+          <p:cNvPr id="19" name="Rectangle 18"/>
+          <p:cNvSpPr/>
+          <p:nvPr/>
+        </p:nvSpPr>
+        <p:spPr>
+          <a:xfrm>
+            <a:off x="11213630" y="1390649"/>
+            <a:ext cx="3726044" cy="9229231"/>
+          </a:xfrm>
+          <a:prstGeom prst="rect">
+            <a:avLst/>
+          </a:prstGeom>
+          <a:ln w="57150"/>
+        </p:spPr>
+        <p:style>
+          <a:lnRef idx="2">
+            <a:schemeClr val="dk1"/>
+          </a:lnRef>
+          <a:fillRef idx="1">
+            <a:schemeClr val="lt1"/>
+          </a:fillRef>
+          <a:effectRef idx="0">
+            <a:schemeClr val="dk1"/>
+          </a:effectRef>
+          <a:fontRef idx="minor">
+            <a:schemeClr val="dk1"/>
+          </a:fontRef>
+        </p:style>
+        <p:txBody>
+          <a:bodyPr rtlCol="0" anchor="b"/>
+          <a:lstStyle/>
+          <a:p>
+            <a:pPr marL="72000"/>
+            <a:endParaRPr lang="fr-FR" sz="1400" dirty="0">
+              <a:latin typeface="Comic Sans MS" panose="030F0702030302020204" pitchFamily="66" charset="0"/>
+              <a:ea typeface="JetBrains Mono" panose="02000009000000000000" pitchFamily="49" charset="0"/>
+              <a:cs typeface="JetBrains Mono" panose="02000009000000000000" pitchFamily="49" charset="0"/>
+            </a:endParaRPr>
+          </a:p>
+        </p:txBody>
+      </p:sp>
+      <p:sp>
+        <p:nvSpPr>
+          <p:cNvPr id="24" name="Rectangle 23"/>
+          <p:cNvSpPr/>
+          <p:nvPr/>
+        </p:nvSpPr>
+        <p:spPr>
+          <a:xfrm>
+            <a:off x="11213630" y="179881"/>
+            <a:ext cx="3726045" cy="1067028"/>
+          </a:xfrm>
+          <a:prstGeom prst="rect">
+            <a:avLst/>
+          </a:prstGeom>
+          <a:ln w="57150"/>
+        </p:spPr>
+        <p:style>
+          <a:lnRef idx="2">
+            <a:schemeClr val="dk1"/>
+          </a:lnRef>
+          <a:fillRef idx="1">
+            <a:schemeClr val="lt1"/>
+          </a:fillRef>
+          <a:effectRef idx="0">
+            <a:schemeClr val="dk1"/>
+          </a:effectRef>
+          <a:fontRef idx="minor">
+            <a:schemeClr val="dk1"/>
+          </a:fontRef>
+        </p:style>
+        <p:txBody>
+          <a:bodyPr rtlCol="0" anchor="ctr"/>
+          <a:lstStyle/>
+          <a:p>
+            <a:pPr algn="ctr"/>
+            <a:r>
+              <a:rPr lang="fr-FR" b="1" spc="300" dirty="0">
+                <a:latin typeface="Comic Sans MS" panose="030F0702030302020204" pitchFamily="66" charset="0"/>
+                <a:ea typeface="JetBrains Mono" panose="02000009000000000000" pitchFamily="49" charset="0"/>
+                <a:cs typeface="JetBrains Mono" panose="02000009000000000000" pitchFamily="49" charset="0"/>
+              </a:rPr>
+              <a:t>M. Du Chevreuil</a:t>
+            </a:r>
+          </a:p>
+          <a:p>
+            <a:pPr algn="ctr"/>
+            <a:r>
+              <a:rPr lang="fr-FR" sz="1600" spc="300" dirty="0">
+                <a:latin typeface="Comic Sans MS" panose="030F0702030302020204" pitchFamily="66" charset="0"/>
+                <a:ea typeface="JetBrains Mono" panose="02000009000000000000" pitchFamily="49" charset="0"/>
+                <a:cs typeface="JetBrains Mono" panose="02000009000000000000" pitchFamily="49" charset="0"/>
+              </a:rPr>
+              <a:t>Professeur en génie </a:t>
+            </a:r>
+          </a:p>
+          <a:p>
+            <a:pPr algn="ctr"/>
+            <a:r>
+              <a:rPr lang="fr-FR" sz="1600" spc="300" dirty="0">
+                <a:latin typeface="Comic Sans MS" panose="030F0702030302020204" pitchFamily="66" charset="0"/>
+                <a:ea typeface="JetBrains Mono" panose="02000009000000000000" pitchFamily="49" charset="0"/>
+                <a:cs typeface="JetBrains Mono" panose="02000009000000000000" pitchFamily="49" charset="0"/>
+              </a:rPr>
+              <a:t>industriel bois</a:t>
+            </a:r>
+          </a:p>
+        </p:txBody>
+      </p:sp>
+      <p:sp>
+        <p:nvSpPr>
+          <p:cNvPr id="25" name="Rectangle 24"/>
+          <p:cNvSpPr/>
+          <p:nvPr/>
+        </p:nvSpPr>
+        <p:spPr>
+          <a:xfrm>
+            <a:off x="142517" y="179881"/>
+            <a:ext cx="3763201" cy="1067028"/>
+          </a:xfrm>
+          <a:prstGeom prst="rect">
+            <a:avLst/>
+          </a:prstGeom>
+          <a:ln w="57150"/>
+        </p:spPr>
+        <p:style>
+          <a:lnRef idx="2">
+            <a:schemeClr val="dk1"/>
+          </a:lnRef>
+          <a:fillRef idx="1">
+            <a:schemeClr val="lt1"/>
+          </a:fillRef>
+          <a:effectRef idx="0">
+            <a:schemeClr val="dk1"/>
+          </a:effectRef>
+          <a:fontRef idx="minor">
+            <a:schemeClr val="dk1"/>
+          </a:fontRef>
+        </p:style>
+        <p:txBody>
+          <a:bodyPr rtlCol="0" anchor="ctr"/>
+          <a:lstStyle/>
+          <a:p>
+            <a:pPr algn="ctr"/>
+            <a:r>
+              <a:rPr lang="fr-FR" b="1" dirty="0">
+                <a:latin typeface="Comic Sans MS" panose="030F0702030302020204" pitchFamily="66" charset="0"/>
+                <a:ea typeface="JetBrains Mono" panose="02000009000000000000" pitchFamily="49" charset="0"/>
+                <a:cs typeface="JetBrains Mono" panose="02000009000000000000" pitchFamily="49" charset="0"/>
+              </a:rPr>
+              <a:t>Evaluation : orientation et exposition</a:t>
+            </a:r>
+          </a:p>
+        </p:txBody>
+      </p:sp>
+      <p:pic>
+        <p:nvPicPr>
+          <p:cNvPr id="7" name="Picture 6">
+            <a:extLst>
+              <a:ext uri="{FF2B5EF4-FFF2-40B4-BE49-F238E27FC236}">
+                <a16:creationId xmlns:a16="http://schemas.microsoft.com/office/drawing/2014/main" id="{6296C632-E18E-4DDD-85E8-65CE55E283E1}"/>
+              </a:ext>
+            </a:extLst>
+          </p:cNvPr>
+          <p:cNvPicPr>
+            <a:picLocks noChangeAspect="1"/>
+          </p:cNvPicPr>
+          <p:nvPr/>
+        </p:nvPicPr>
+        <p:blipFill rotWithShape="1">
+          <a:blip r:embed="rId2"/>
+          <a:srcRect l="33829" t="6301" r="29659" b="26232"/>
+          <a:stretch/>
+        </p:blipFill>
+        <p:spPr>
+          <a:xfrm>
+            <a:off x="4186238" y="375294"/>
+            <a:ext cx="5100637" cy="4829175"/>
+          </a:xfrm>
+          <a:prstGeom prst="rect">
+            <a:avLst/>
+          </a:prstGeom>
+          <a:ln w="38100" cap="sq">
+            <a:solidFill>
+              <a:srgbClr val="000000"/>
+            </a:solidFill>
+            <a:prstDash val="solid"/>
+            <a:miter lim="800000"/>
+          </a:ln>
+          <a:effectLst>
+            <a:outerShdw blurRad="50800" dist="38100" dir="2700000" algn="tl" rotWithShape="0">
+              <a:srgbClr val="000000">
+                <a:alpha val="43000"/>
+              </a:srgbClr>
+            </a:outerShdw>
+          </a:effectLst>
+        </p:spPr>
+      </p:pic>
+      <p:pic>
+        <p:nvPicPr>
+          <p:cNvPr id="8" name="Picture 7">
+            <a:extLst>
+              <a:ext uri="{FF2B5EF4-FFF2-40B4-BE49-F238E27FC236}">
+                <a16:creationId xmlns:a16="http://schemas.microsoft.com/office/drawing/2014/main" id="{7A20F2F9-E861-49DF-A7BB-4892F904AE90}"/>
+              </a:ext>
+            </a:extLst>
+          </p:cNvPr>
+          <p:cNvPicPr>
+            <a:picLocks noChangeAspect="1"/>
+          </p:cNvPicPr>
+          <p:nvPr/>
+        </p:nvPicPr>
+        <p:blipFill rotWithShape="1">
+          <a:blip r:embed="rId2"/>
+          <a:srcRect l="1000" t="65185" r="84784"/>
+          <a:stretch/>
+        </p:blipFill>
+        <p:spPr>
+          <a:xfrm>
+            <a:off x="9017019" y="3411294"/>
+            <a:ext cx="1587807" cy="1992406"/>
+          </a:xfrm>
+          <a:prstGeom prst="rect">
+            <a:avLst/>
+          </a:prstGeom>
+          <a:ln w="38100" cap="sq">
+            <a:solidFill>
+              <a:srgbClr val="000000"/>
+            </a:solidFill>
+            <a:prstDash val="solid"/>
+            <a:miter lim="800000"/>
+          </a:ln>
+          <a:effectLst>
+            <a:outerShdw blurRad="50800" dist="38100" dir="2700000" algn="tl" rotWithShape="0">
+              <a:srgbClr val="000000">
+                <a:alpha val="43000"/>
+              </a:srgbClr>
+            </a:outerShdw>
+          </a:effectLst>
+        </p:spPr>
+      </p:pic>
+      <p:pic>
+        <p:nvPicPr>
+          <p:cNvPr id="9" name="Picture 8">
+            <a:extLst>
+              <a:ext uri="{FF2B5EF4-FFF2-40B4-BE49-F238E27FC236}">
+                <a16:creationId xmlns:a16="http://schemas.microsoft.com/office/drawing/2014/main" id="{0A4887EC-5436-4EFE-B093-0B3FC82F6064}"/>
+              </a:ext>
+            </a:extLst>
+          </p:cNvPr>
+          <p:cNvPicPr>
+            <a:picLocks noChangeAspect="1"/>
+          </p:cNvPicPr>
+          <p:nvPr/>
+        </p:nvPicPr>
+        <p:blipFill rotWithShape="1">
+          <a:blip r:embed="rId3"/>
+          <a:srcRect l="74631"/>
+          <a:stretch/>
+        </p:blipFill>
+        <p:spPr>
+          <a:xfrm>
+            <a:off x="11583829" y="1507370"/>
+            <a:ext cx="2985646" cy="8995787"/>
+          </a:xfrm>
+          <a:prstGeom prst="rect">
+            <a:avLst/>
+          </a:prstGeom>
+        </p:spPr>
+      </p:pic>
+    </p:spTree>
+    <p:extLst>
+      <p:ext uri="{BB962C8B-B14F-4D97-AF65-F5344CB8AC3E}">
+        <p14:creationId xmlns:p14="http://schemas.microsoft.com/office/powerpoint/2010/main" val="2482011551"/>
+      </p:ext>
+    </p:extLst>
+  </p:cSld>
+  <p:clrMapOvr>
+    <a:masterClrMapping/>
+  </p:clrMapOvr>
+</p:sld>
+</file>
+
+<file path=ppt/slides/slide12.xml><?xml version="1.0" encoding="utf-8"?>
 <p:sld xmlns:a="http://schemas.openxmlformats.org/drawingml/2006/main" xmlns:r="http://schemas.openxmlformats.org/officeDocument/2006/relationships" xmlns:p="http://schemas.openxmlformats.org/presentationml/2006/main">
   <p:cSld>
     <p:spTree>
@@ -4762,7 +5647,7 @@
 </p:sld>
 </file>
 
-<file path=ppt/slides/slide12.xml><?xml version="1.0" encoding="utf-8"?>
+<file path=ppt/slides/slide13.xml><?xml version="1.0" encoding="utf-8"?>
 <p:sld xmlns:a="http://schemas.openxmlformats.org/drawingml/2006/main" xmlns:r="http://schemas.openxmlformats.org/officeDocument/2006/relationships" xmlns:p="http://schemas.openxmlformats.org/presentationml/2006/main">
   <p:cSld>
     <p:spTree>
@@ -4936,7 +5821,7 @@
 </p:sld>
 </file>
 
-<file path=ppt/slides/slide13.xml><?xml version="1.0" encoding="utf-8"?>
+<file path=ppt/slides/slide14.xml><?xml version="1.0" encoding="utf-8"?>
 <p:sld xmlns:a="http://schemas.openxmlformats.org/drawingml/2006/main" xmlns:r="http://schemas.openxmlformats.org/officeDocument/2006/relationships" xmlns:p="http://schemas.openxmlformats.org/presentationml/2006/main">
   <p:cSld>
     <p:spTree>
@@ -5140,7 +6025,7 @@
 </p:sld>
 </file>
 
-<file path=ppt/slides/slide14.xml><?xml version="1.0" encoding="utf-8"?>
+<file path=ppt/slides/slide15.xml><?xml version="1.0" encoding="utf-8"?>
 <p:sld xmlns:a="http://schemas.openxmlformats.org/drawingml/2006/main" xmlns:r="http://schemas.openxmlformats.org/officeDocument/2006/relationships" xmlns:p="http://schemas.openxmlformats.org/presentationml/2006/main">
   <p:cSld>
     <p:spTree>
@@ -5314,7 +6199,7 @@
 </p:sld>
 </file>
 
-<file path=ppt/slides/slide15.xml><?xml version="1.0" encoding="utf-8"?>
+<file path=ppt/slides/slide16.xml><?xml version="1.0" encoding="utf-8"?>
 <p:sld xmlns:a="http://schemas.openxmlformats.org/drawingml/2006/main" xmlns:r="http://schemas.openxmlformats.org/officeDocument/2006/relationships" xmlns:p="http://schemas.openxmlformats.org/presentationml/2006/main">
   <p:cSld>
     <p:spTree>
@@ -5488,7 +6373,7 @@
 </p:sld>
 </file>
 
-<file path=ppt/slides/slide16.xml><?xml version="1.0" encoding="utf-8"?>
+<file path=ppt/slides/slide17.xml><?xml version="1.0" encoding="utf-8"?>
 <p:sld xmlns:a="http://schemas.openxmlformats.org/drawingml/2006/main" xmlns:r="http://schemas.openxmlformats.org/officeDocument/2006/relationships" xmlns:p="http://schemas.openxmlformats.org/presentationml/2006/main">
   <p:cSld>
     <p:spTree>
@@ -5662,101 +6547,6 @@
 </p:sld>
 </file>
 
-<file path=ppt/slides/slide17.xml><?xml version="1.0" encoding="utf-8"?>
-<p:sld xmlns:a="http://schemas.openxmlformats.org/drawingml/2006/main" xmlns:r="http://schemas.openxmlformats.org/officeDocument/2006/relationships" xmlns:p="http://schemas.openxmlformats.org/presentationml/2006/main">
-  <p:cSld>
-    <p:spTree>
-      <p:nvGrpSpPr>
-        <p:cNvPr id="1" name=""/>
-        <p:cNvGrpSpPr/>
-        <p:nvPr/>
-      </p:nvGrpSpPr>
-      <p:grpSpPr>
-        <a:xfrm>
-          <a:off x="0" y="0"/>
-          <a:ext cx="0" cy="0"/>
-          <a:chOff x="0" y="0"/>
-          <a:chExt cx="0" cy="0"/>
-        </a:xfrm>
-      </p:grpSpPr>
-      <p:sp>
-        <p:nvSpPr>
-          <p:cNvPr id="17" name="Rectangle 16"/>
-          <p:cNvSpPr/>
-          <p:nvPr/>
-        </p:nvSpPr>
-        <p:spPr>
-          <a:xfrm>
-            <a:off x="171451" y="179881"/>
-            <a:ext cx="14782800" cy="10440000"/>
-          </a:xfrm>
-          <a:prstGeom prst="rect">
-            <a:avLst/>
-          </a:prstGeom>
-          <a:ln w="57150">
-            <a:solidFill>
-              <a:schemeClr val="bg1"/>
-            </a:solidFill>
-          </a:ln>
-        </p:spPr>
-        <p:style>
-          <a:lnRef idx="2">
-            <a:schemeClr val="dk1"/>
-          </a:lnRef>
-          <a:fillRef idx="1">
-            <a:schemeClr val="lt1"/>
-          </a:fillRef>
-          <a:effectRef idx="0">
-            <a:schemeClr val="dk1"/>
-          </a:effectRef>
-          <a:fontRef idx="minor">
-            <a:schemeClr val="dk1"/>
-          </a:fontRef>
-        </p:style>
-        <p:txBody>
-          <a:bodyPr rtlCol="0" anchor="ctr"/>
-          <a:lstStyle/>
-          <a:p>
-            <a:pPr marL="72000" algn="ctr">
-              <a:lnSpc>
-                <a:spcPct val="120000"/>
-              </a:lnSpc>
-            </a:pPr>
-            <a:r>
-              <a:rPr lang="fr-FR" sz="4000" b="1" dirty="0">
-                <a:solidFill>
-                  <a:schemeClr val="tx1"/>
-                </a:solidFill>
-                <a:latin typeface="Comic Sans MS" panose="030F0702030302020204" pitchFamily="66" charset="0"/>
-                <a:ea typeface="JetBrains Mono" panose="02000009000000000000" pitchFamily="49" charset="0"/>
-                <a:cs typeface="Arial" panose="020B0604020202020204" pitchFamily="34" charset="0"/>
-              </a:rPr>
-              <a:t>Les escaliers</a:t>
-            </a:r>
-            <a:endParaRPr lang="fr-FR" sz="4000" dirty="0">
-              <a:solidFill>
-                <a:schemeClr val="tx1"/>
-              </a:solidFill>
-              <a:latin typeface="Comic Sans MS" panose="030F0702030302020204" pitchFamily="66" charset="0"/>
-              <a:ea typeface="JetBrains Mono" panose="02000009000000000000" pitchFamily="49" charset="0"/>
-              <a:cs typeface="Arial" panose="020B0604020202020204" pitchFamily="34" charset="0"/>
-            </a:endParaRPr>
-          </a:p>
-        </p:txBody>
-      </p:sp>
-    </p:spTree>
-    <p:extLst>
-      <p:ext uri="{BB962C8B-B14F-4D97-AF65-F5344CB8AC3E}">
-        <p14:creationId xmlns:p14="http://schemas.microsoft.com/office/powerpoint/2010/main" val="3703245594"/>
-      </p:ext>
-    </p:extLst>
-  </p:cSld>
-  <p:clrMapOvr>
-    <a:masterClrMapping/>
-  </p:clrMapOvr>
-</p:sld>
-</file>
-
 <file path=ppt/slides/slide18.xml><?xml version="1.0" encoding="utf-8"?>
 <p:sld xmlns:a="http://schemas.openxmlformats.org/drawingml/2006/main" xmlns:r="http://schemas.openxmlformats.org/officeDocument/2006/relationships" xmlns:p="http://schemas.openxmlformats.org/presentationml/2006/main">
   <p:cSld>
@@ -5782,17 +6572,13 @@
         </p:nvSpPr>
         <p:spPr>
           <a:xfrm>
-            <a:off x="171451" y="179881"/>
-            <a:ext cx="14782800" cy="10440000"/>
+            <a:off x="4039557" y="179881"/>
+            <a:ext cx="7040235" cy="10440000"/>
           </a:xfrm>
           <a:prstGeom prst="rect">
             <a:avLst/>
           </a:prstGeom>
-          <a:ln w="57150">
-            <a:solidFill>
-              <a:schemeClr val="bg1"/>
-            </a:solidFill>
-          </a:ln>
+          <a:ln w="57150"/>
         </p:spPr>
         <p:style>
           <a:lnRef idx="2">
@@ -5812,48 +6598,646 @@
           <a:bodyPr rtlCol="0" anchor="ctr"/>
           <a:lstStyle/>
           <a:p>
-            <a:pPr marL="72000" algn="ctr">
-              <a:lnSpc>
-                <a:spcPct val="120000"/>
-              </a:lnSpc>
-            </a:pPr>
-            <a:r>
-              <a:rPr lang="fr-FR" sz="4000" b="1" dirty="0">
-                <a:solidFill>
-                  <a:schemeClr val="tx1"/>
-                </a:solidFill>
-                <a:latin typeface="Comic Sans MS" panose="030F0702030302020204" pitchFamily="66" charset="0"/>
-                <a:ea typeface="JetBrains Mono" panose="02000009000000000000" pitchFamily="49" charset="0"/>
-                <a:cs typeface="Arial" panose="020B0604020202020204" pitchFamily="34" charset="0"/>
-              </a:rPr>
-              <a:t>La résistance </a:t>
-            </a:r>
-            <a:r>
-              <a:rPr lang="fr-FR" sz="4000" b="1">
-                <a:solidFill>
-                  <a:schemeClr val="tx1"/>
-                </a:solidFill>
-                <a:latin typeface="Comic Sans MS" panose="030F0702030302020204" pitchFamily="66" charset="0"/>
-                <a:ea typeface="JetBrains Mono" panose="02000009000000000000" pitchFamily="49" charset="0"/>
-                <a:cs typeface="Arial" panose="020B0604020202020204" pitchFamily="34" charset="0"/>
-              </a:rPr>
-              <a:t>des matériaux</a:t>
-            </a:r>
-            <a:endParaRPr lang="fr-FR" sz="4000" dirty="0">
+            <a:pPr marL="72000"/>
+            <a:endParaRPr lang="fr-FR" sz="1400" dirty="0">
               <a:solidFill>
                 <a:schemeClr val="tx1"/>
               </a:solidFill>
               <a:latin typeface="Comic Sans MS" panose="030F0702030302020204" pitchFamily="66" charset="0"/>
               <a:ea typeface="JetBrains Mono" panose="02000009000000000000" pitchFamily="49" charset="0"/>
-              <a:cs typeface="Arial" panose="020B0604020202020204" pitchFamily="34" charset="0"/>
+              <a:cs typeface="Courier New" panose="02070309020205020404" pitchFamily="49" charset="0"/>
             </a:endParaRPr>
+          </a:p>
+        </p:txBody>
+      </p:sp>
+      <p:sp>
+        <p:nvSpPr>
+          <p:cNvPr id="18" name="Rectangle 17"/>
+          <p:cNvSpPr/>
+          <p:nvPr/>
+        </p:nvSpPr>
+        <p:spPr>
+          <a:xfrm>
+            <a:off x="142517" y="1390649"/>
+            <a:ext cx="3763202" cy="9229231"/>
+          </a:xfrm>
+          <a:prstGeom prst="rect">
+            <a:avLst/>
+          </a:prstGeom>
+          <a:ln w="57150"/>
+        </p:spPr>
+        <p:style>
+          <a:lnRef idx="2">
+            <a:schemeClr val="dk1"/>
+          </a:lnRef>
+          <a:fillRef idx="1">
+            <a:schemeClr val="lt1"/>
+          </a:fillRef>
+          <a:effectRef idx="0">
+            <a:schemeClr val="dk1"/>
+          </a:effectRef>
+          <a:fontRef idx="minor">
+            <a:schemeClr val="dk1"/>
+          </a:fontRef>
+        </p:style>
+        <p:txBody>
+          <a:bodyPr rtlCol="0" anchor="ctr"/>
+          <a:lstStyle/>
+          <a:p>
+            <a:pPr marL="72000"/>
+            <a:endParaRPr lang="fr-FR" sz="1400" dirty="0">
+              <a:solidFill>
+                <a:schemeClr val="tx1"/>
+              </a:solidFill>
+              <a:latin typeface="Comic Sans MS" panose="030F0702030302020204" pitchFamily="66" charset="0"/>
+              <a:ea typeface="JetBrains Mono" panose="02000009000000000000" pitchFamily="49" charset="0"/>
+              <a:cs typeface="Courier New" panose="02070309020205020404" pitchFamily="49" charset="0"/>
+            </a:endParaRPr>
+          </a:p>
+        </p:txBody>
+      </p:sp>
+      <p:sp>
+        <p:nvSpPr>
+          <p:cNvPr id="19" name="Rectangle 18"/>
+          <p:cNvSpPr/>
+          <p:nvPr/>
+        </p:nvSpPr>
+        <p:spPr>
+          <a:xfrm>
+            <a:off x="11213630" y="1390649"/>
+            <a:ext cx="3726044" cy="9229231"/>
+          </a:xfrm>
+          <a:prstGeom prst="rect">
+            <a:avLst/>
+          </a:prstGeom>
+          <a:ln w="57150"/>
+        </p:spPr>
+        <p:style>
+          <a:lnRef idx="2">
+            <a:schemeClr val="dk1"/>
+          </a:lnRef>
+          <a:fillRef idx="1">
+            <a:schemeClr val="lt1"/>
+          </a:fillRef>
+          <a:effectRef idx="0">
+            <a:schemeClr val="dk1"/>
+          </a:effectRef>
+          <a:fontRef idx="minor">
+            <a:schemeClr val="dk1"/>
+          </a:fontRef>
+        </p:style>
+        <p:txBody>
+          <a:bodyPr rtlCol="0" anchor="t"/>
+          <a:lstStyle/>
+          <a:p>
+            <a:pPr marL="72000"/>
+            <a:endParaRPr lang="fr-FR" sz="1400" dirty="0">
+              <a:solidFill>
+                <a:schemeClr val="tx1"/>
+              </a:solidFill>
+              <a:latin typeface="Comic Sans MS" panose="030F0702030302020204" pitchFamily="66" charset="0"/>
+              <a:ea typeface="JetBrains Mono" panose="02000009000000000000" pitchFamily="49" charset="0"/>
+              <a:cs typeface="Courier New" panose="02070309020205020404" pitchFamily="49" charset="0"/>
+            </a:endParaRPr>
+          </a:p>
+        </p:txBody>
+      </p:sp>
+      <p:sp>
+        <p:nvSpPr>
+          <p:cNvPr id="24" name="Rectangle 23"/>
+          <p:cNvSpPr/>
+          <p:nvPr/>
+        </p:nvSpPr>
+        <p:spPr>
+          <a:xfrm>
+            <a:off x="11213630" y="179881"/>
+            <a:ext cx="3726045" cy="1067028"/>
+          </a:xfrm>
+          <a:prstGeom prst="rect">
+            <a:avLst/>
+          </a:prstGeom>
+          <a:ln w="57150"/>
+        </p:spPr>
+        <p:style>
+          <a:lnRef idx="2">
+            <a:schemeClr val="dk1"/>
+          </a:lnRef>
+          <a:fillRef idx="1">
+            <a:schemeClr val="lt1"/>
+          </a:fillRef>
+          <a:effectRef idx="0">
+            <a:schemeClr val="dk1"/>
+          </a:effectRef>
+          <a:fontRef idx="minor">
+            <a:schemeClr val="dk1"/>
+          </a:fontRef>
+        </p:style>
+        <p:txBody>
+          <a:bodyPr rtlCol="0" anchor="ctr"/>
+          <a:lstStyle/>
+          <a:p>
+            <a:pPr algn="ctr"/>
+            <a:r>
+              <a:rPr lang="fr-FR" b="1" spc="300" dirty="0">
+                <a:latin typeface="Comic Sans MS" panose="030F0702030302020204" pitchFamily="66" charset="0"/>
+                <a:ea typeface="JetBrains Mono" panose="02000009000000000000" pitchFamily="49" charset="0"/>
+                <a:cs typeface="JetBrains Mono" panose="02000009000000000000" pitchFamily="49" charset="0"/>
+              </a:rPr>
+              <a:t>M. Du Chevreuil</a:t>
+            </a:r>
+          </a:p>
+          <a:p>
+            <a:pPr algn="ctr"/>
+            <a:r>
+              <a:rPr lang="fr-FR" sz="1600" spc="300" dirty="0">
+                <a:latin typeface="Comic Sans MS" panose="030F0702030302020204" pitchFamily="66" charset="0"/>
+                <a:ea typeface="JetBrains Mono" panose="02000009000000000000" pitchFamily="49" charset="0"/>
+                <a:cs typeface="JetBrains Mono" panose="02000009000000000000" pitchFamily="49" charset="0"/>
+              </a:rPr>
+              <a:t>Professeur en génie </a:t>
+            </a:r>
+          </a:p>
+          <a:p>
+            <a:pPr algn="ctr"/>
+            <a:r>
+              <a:rPr lang="fr-FR" sz="1600" spc="300" dirty="0">
+                <a:latin typeface="Comic Sans MS" panose="030F0702030302020204" pitchFamily="66" charset="0"/>
+                <a:ea typeface="JetBrains Mono" panose="02000009000000000000" pitchFamily="49" charset="0"/>
+                <a:cs typeface="JetBrains Mono" panose="02000009000000000000" pitchFamily="49" charset="0"/>
+              </a:rPr>
+              <a:t>industriel bois</a:t>
+            </a:r>
+          </a:p>
+        </p:txBody>
+      </p:sp>
+      <p:sp>
+        <p:nvSpPr>
+          <p:cNvPr id="25" name="Rectangle 24"/>
+          <p:cNvSpPr/>
+          <p:nvPr/>
+        </p:nvSpPr>
+        <p:spPr>
+          <a:xfrm>
+            <a:off x="142517" y="179881"/>
+            <a:ext cx="3763201" cy="1067028"/>
+          </a:xfrm>
+          <a:prstGeom prst="rect">
+            <a:avLst/>
+          </a:prstGeom>
+          <a:ln w="57150"/>
+        </p:spPr>
+        <p:style>
+          <a:lnRef idx="2">
+            <a:schemeClr val="dk1"/>
+          </a:lnRef>
+          <a:fillRef idx="1">
+            <a:schemeClr val="lt1"/>
+          </a:fillRef>
+          <a:effectRef idx="0">
+            <a:schemeClr val="dk1"/>
+          </a:effectRef>
+          <a:fontRef idx="minor">
+            <a:schemeClr val="dk1"/>
+          </a:fontRef>
+        </p:style>
+        <p:txBody>
+          <a:bodyPr rtlCol="0" anchor="ctr"/>
+          <a:lstStyle/>
+          <a:p>
+            <a:pPr algn="ctr"/>
+            <a:r>
+              <a:rPr lang="fr-FR" b="1" dirty="0">
+                <a:latin typeface="Comic Sans MS" panose="030F0702030302020204" pitchFamily="66" charset="0"/>
+                <a:ea typeface="JetBrains Mono" panose="02000009000000000000" pitchFamily="49" charset="0"/>
+                <a:cs typeface="JetBrains Mono" panose="02000009000000000000" pitchFamily="49" charset="0"/>
+              </a:rPr>
+              <a:t>Sujet : Vocabulaire technique</a:t>
+            </a:r>
           </a:p>
         </p:txBody>
       </p:sp>
     </p:spTree>
     <p:extLst>
       <p:ext uri="{BB962C8B-B14F-4D97-AF65-F5344CB8AC3E}">
-        <p14:creationId xmlns:p14="http://schemas.microsoft.com/office/powerpoint/2010/main" val="1773289204"/>
+        <p14:creationId xmlns:p14="http://schemas.microsoft.com/office/powerpoint/2010/main" val="3105213327"/>
+      </p:ext>
+    </p:extLst>
+  </p:cSld>
+  <p:clrMapOvr>
+    <a:masterClrMapping/>
+  </p:clrMapOvr>
+</p:sld>
+</file>
+
+<file path=ppt/slides/slide19.xml><?xml version="1.0" encoding="utf-8"?>
+<p:sld xmlns:a="http://schemas.openxmlformats.org/drawingml/2006/main" xmlns:r="http://schemas.openxmlformats.org/officeDocument/2006/relationships" xmlns:p="http://schemas.openxmlformats.org/presentationml/2006/main">
+  <p:cSld>
+    <p:spTree>
+      <p:nvGrpSpPr>
+        <p:cNvPr id="1" name=""/>
+        <p:cNvGrpSpPr/>
+        <p:nvPr/>
+      </p:nvGrpSpPr>
+      <p:grpSpPr>
+        <a:xfrm>
+          <a:off x="0" y="0"/>
+          <a:ext cx="0" cy="0"/>
+          <a:chOff x="0" y="0"/>
+          <a:chExt cx="0" cy="0"/>
+        </a:xfrm>
+      </p:grpSpPr>
+      <p:sp>
+        <p:nvSpPr>
+          <p:cNvPr id="17" name="Rectangle 16"/>
+          <p:cNvSpPr/>
+          <p:nvPr/>
+        </p:nvSpPr>
+        <p:spPr>
+          <a:xfrm>
+            <a:off x="4039556" y="179881"/>
+            <a:ext cx="7040235" cy="10440000"/>
+          </a:xfrm>
+          <a:prstGeom prst="rect">
+            <a:avLst/>
+          </a:prstGeom>
+          <a:ln w="57150"/>
+        </p:spPr>
+        <p:style>
+          <a:lnRef idx="2">
+            <a:schemeClr val="dk1"/>
+          </a:lnRef>
+          <a:fillRef idx="1">
+            <a:schemeClr val="lt1"/>
+          </a:fillRef>
+          <a:effectRef idx="0">
+            <a:schemeClr val="dk1"/>
+          </a:effectRef>
+          <a:fontRef idx="minor">
+            <a:schemeClr val="dk1"/>
+          </a:fontRef>
+        </p:style>
+        <p:txBody>
+          <a:bodyPr rtlCol="0" anchor="t"/>
+          <a:lstStyle/>
+          <a:p>
+            <a:pPr marL="72000"/>
+            <a:endParaRPr lang="fr-FR" sz="1400" dirty="0">
+              <a:solidFill>
+                <a:schemeClr val="tx1"/>
+              </a:solidFill>
+              <a:latin typeface="Comic Sans MS" panose="030F0702030302020204" pitchFamily="66" charset="0"/>
+              <a:ea typeface="JetBrains Mono" panose="02000009000000000000" pitchFamily="49" charset="0"/>
+              <a:cs typeface="Courier New" panose="02070309020205020404" pitchFamily="49" charset="0"/>
+            </a:endParaRPr>
+          </a:p>
+          <a:p>
+            <a:pPr marL="72000"/>
+            <a:endParaRPr lang="fr-FR" sz="1400" dirty="0">
+              <a:solidFill>
+                <a:schemeClr val="tx1"/>
+              </a:solidFill>
+              <a:latin typeface="Comic Sans MS" panose="030F0702030302020204" pitchFamily="66" charset="0"/>
+              <a:ea typeface="JetBrains Mono" panose="02000009000000000000" pitchFamily="49" charset="0"/>
+              <a:cs typeface="Courier New" panose="02070309020205020404" pitchFamily="49" charset="0"/>
+            </a:endParaRPr>
+          </a:p>
+          <a:p>
+            <a:pPr marL="72000"/>
+            <a:endParaRPr lang="fr-FR" sz="1400" dirty="0">
+              <a:solidFill>
+                <a:schemeClr val="tx1"/>
+              </a:solidFill>
+              <a:latin typeface="Comic Sans MS" panose="030F0702030302020204" pitchFamily="66" charset="0"/>
+              <a:ea typeface="JetBrains Mono" panose="02000009000000000000" pitchFamily="49" charset="0"/>
+              <a:cs typeface="Courier New" panose="02070309020205020404" pitchFamily="49" charset="0"/>
+            </a:endParaRPr>
+          </a:p>
+        </p:txBody>
+      </p:sp>
+      <p:sp>
+        <p:nvSpPr>
+          <p:cNvPr id="18" name="Rectangle 17"/>
+          <p:cNvSpPr/>
+          <p:nvPr/>
+        </p:nvSpPr>
+        <p:spPr>
+          <a:xfrm>
+            <a:off x="142517" y="1390649"/>
+            <a:ext cx="3763202" cy="9229231"/>
+          </a:xfrm>
+          <a:prstGeom prst="rect">
+            <a:avLst/>
+          </a:prstGeom>
+          <a:ln w="57150"/>
+        </p:spPr>
+        <p:style>
+          <a:lnRef idx="2">
+            <a:schemeClr val="dk1"/>
+          </a:lnRef>
+          <a:fillRef idx="1">
+            <a:schemeClr val="lt1"/>
+          </a:fillRef>
+          <a:effectRef idx="0">
+            <a:schemeClr val="dk1"/>
+          </a:effectRef>
+          <a:fontRef idx="minor">
+            <a:schemeClr val="dk1"/>
+          </a:fontRef>
+        </p:style>
+        <p:txBody>
+          <a:bodyPr rtlCol="0" anchor="ctr"/>
+          <a:lstStyle/>
+          <a:p>
+            <a:pPr marL="72000"/>
+            <a:endParaRPr lang="fr-FR" sz="1400" b="1" dirty="0">
+              <a:solidFill>
+                <a:schemeClr val="tx1"/>
+              </a:solidFill>
+              <a:latin typeface="Comic Sans MS" panose="030F0702030302020204" pitchFamily="66" charset="0"/>
+              <a:ea typeface="JetBrains Mono" panose="02000009000000000000" pitchFamily="49" charset="0"/>
+              <a:cs typeface="Courier New" panose="02070309020205020404" pitchFamily="49" charset="0"/>
+            </a:endParaRPr>
+          </a:p>
+          <a:p>
+            <a:pPr marL="72000"/>
+            <a:endParaRPr lang="fr-FR" sz="1400" dirty="0">
+              <a:solidFill>
+                <a:schemeClr val="tx1"/>
+              </a:solidFill>
+              <a:latin typeface="Comic Sans MS" panose="030F0702030302020204" pitchFamily="66" charset="0"/>
+              <a:ea typeface="JetBrains Mono" panose="02000009000000000000" pitchFamily="49" charset="0"/>
+              <a:cs typeface="Courier New" panose="02070309020205020404" pitchFamily="49" charset="0"/>
+            </a:endParaRPr>
+          </a:p>
+        </p:txBody>
+      </p:sp>
+      <p:sp>
+        <p:nvSpPr>
+          <p:cNvPr id="19" name="Rectangle 18"/>
+          <p:cNvSpPr/>
+          <p:nvPr/>
+        </p:nvSpPr>
+        <p:spPr>
+          <a:xfrm>
+            <a:off x="11213630" y="1390649"/>
+            <a:ext cx="3726044" cy="9229231"/>
+          </a:xfrm>
+          <a:prstGeom prst="rect">
+            <a:avLst/>
+          </a:prstGeom>
+          <a:ln w="57150"/>
+        </p:spPr>
+        <p:style>
+          <a:lnRef idx="2">
+            <a:schemeClr val="dk1"/>
+          </a:lnRef>
+          <a:fillRef idx="1">
+            <a:schemeClr val="lt1"/>
+          </a:fillRef>
+          <a:effectRef idx="0">
+            <a:schemeClr val="dk1"/>
+          </a:effectRef>
+          <a:fontRef idx="minor">
+            <a:schemeClr val="dk1"/>
+          </a:fontRef>
+        </p:style>
+        <p:txBody>
+          <a:bodyPr rtlCol="0" anchor="t"/>
+          <a:lstStyle/>
+          <a:p>
+            <a:pPr marL="72000"/>
+            <a:endParaRPr lang="fr-FR" sz="1400" dirty="0">
+              <a:latin typeface="Comic Sans MS" panose="030F0702030302020204" pitchFamily="66" charset="0"/>
+              <a:ea typeface="JetBrains Mono" panose="02000009000000000000" pitchFamily="49" charset="0"/>
+              <a:cs typeface="JetBrains Mono" panose="02000009000000000000" pitchFamily="49" charset="0"/>
+            </a:endParaRPr>
+          </a:p>
+        </p:txBody>
+      </p:sp>
+      <p:sp>
+        <p:nvSpPr>
+          <p:cNvPr id="24" name="Rectangle 23"/>
+          <p:cNvSpPr/>
+          <p:nvPr/>
+        </p:nvSpPr>
+        <p:spPr>
+          <a:xfrm>
+            <a:off x="11213630" y="179881"/>
+            <a:ext cx="3726045" cy="1067028"/>
+          </a:xfrm>
+          <a:prstGeom prst="rect">
+            <a:avLst/>
+          </a:prstGeom>
+          <a:ln w="57150"/>
+        </p:spPr>
+        <p:style>
+          <a:lnRef idx="2">
+            <a:schemeClr val="dk1"/>
+          </a:lnRef>
+          <a:fillRef idx="1">
+            <a:schemeClr val="lt1"/>
+          </a:fillRef>
+          <a:effectRef idx="0">
+            <a:schemeClr val="dk1"/>
+          </a:effectRef>
+          <a:fontRef idx="minor">
+            <a:schemeClr val="dk1"/>
+          </a:fontRef>
+        </p:style>
+        <p:txBody>
+          <a:bodyPr rtlCol="0" anchor="ctr"/>
+          <a:lstStyle/>
+          <a:p>
+            <a:pPr algn="ctr"/>
+            <a:r>
+              <a:rPr lang="fr-FR" b="1" spc="300" dirty="0">
+                <a:latin typeface="Comic Sans MS" panose="030F0702030302020204" pitchFamily="66" charset="0"/>
+                <a:ea typeface="JetBrains Mono" panose="02000009000000000000" pitchFamily="49" charset="0"/>
+                <a:cs typeface="JetBrains Mono" panose="02000009000000000000" pitchFamily="49" charset="0"/>
+              </a:rPr>
+              <a:t>M. Du Chevreuil</a:t>
+            </a:r>
+          </a:p>
+          <a:p>
+            <a:pPr algn="ctr"/>
+            <a:r>
+              <a:rPr lang="fr-FR" sz="1600" spc="300" dirty="0">
+                <a:latin typeface="Comic Sans MS" panose="030F0702030302020204" pitchFamily="66" charset="0"/>
+                <a:ea typeface="JetBrains Mono" panose="02000009000000000000" pitchFamily="49" charset="0"/>
+                <a:cs typeface="JetBrains Mono" panose="02000009000000000000" pitchFamily="49" charset="0"/>
+              </a:rPr>
+              <a:t>Professeur en génie </a:t>
+            </a:r>
+          </a:p>
+          <a:p>
+            <a:pPr algn="ctr"/>
+            <a:r>
+              <a:rPr lang="fr-FR" sz="1600" spc="300" dirty="0">
+                <a:latin typeface="Comic Sans MS" panose="030F0702030302020204" pitchFamily="66" charset="0"/>
+                <a:ea typeface="JetBrains Mono" panose="02000009000000000000" pitchFamily="49" charset="0"/>
+                <a:cs typeface="JetBrains Mono" panose="02000009000000000000" pitchFamily="49" charset="0"/>
+              </a:rPr>
+              <a:t>industriel bois</a:t>
+            </a:r>
+          </a:p>
+        </p:txBody>
+      </p:sp>
+      <p:sp>
+        <p:nvSpPr>
+          <p:cNvPr id="25" name="Rectangle 24"/>
+          <p:cNvSpPr/>
+          <p:nvPr/>
+        </p:nvSpPr>
+        <p:spPr>
+          <a:xfrm>
+            <a:off x="142517" y="179881"/>
+            <a:ext cx="3763201" cy="1067028"/>
+          </a:xfrm>
+          <a:prstGeom prst="rect">
+            <a:avLst/>
+          </a:prstGeom>
+          <a:ln w="57150"/>
+        </p:spPr>
+        <p:style>
+          <a:lnRef idx="2">
+            <a:schemeClr val="dk1"/>
+          </a:lnRef>
+          <a:fillRef idx="1">
+            <a:schemeClr val="lt1"/>
+          </a:fillRef>
+          <a:effectRef idx="0">
+            <a:schemeClr val="dk1"/>
+          </a:effectRef>
+          <a:fontRef idx="minor">
+            <a:schemeClr val="dk1"/>
+          </a:fontRef>
+        </p:style>
+        <p:txBody>
+          <a:bodyPr rtlCol="0" anchor="ctr"/>
+          <a:lstStyle/>
+          <a:p>
+            <a:pPr algn="ctr"/>
+            <a:r>
+              <a:rPr lang="fr-FR" b="1" dirty="0">
+                <a:latin typeface="Comic Sans MS" panose="030F0702030302020204" pitchFamily="66" charset="0"/>
+                <a:ea typeface="JetBrains Mono" panose="02000009000000000000" pitchFamily="49" charset="0"/>
+                <a:cs typeface="JetBrains Mono" panose="02000009000000000000" pitchFamily="49" charset="0"/>
+              </a:rPr>
+              <a:t>Evaluation : Vocabulaire technique</a:t>
+            </a:r>
+          </a:p>
+        </p:txBody>
+      </p:sp>
+      <p:sp>
+        <p:nvSpPr>
+          <p:cNvPr id="27" name="Rectangle 26">
+            <a:extLst>
+              <a:ext uri="{FF2B5EF4-FFF2-40B4-BE49-F238E27FC236}">
+                <a16:creationId xmlns:a16="http://schemas.microsoft.com/office/drawing/2014/main" id="{6CF433D6-F2BB-456E-BA4C-0A1CCA9E84EB}"/>
+              </a:ext>
+            </a:extLst>
+          </p:cNvPr>
+          <p:cNvSpPr/>
+          <p:nvPr/>
+        </p:nvSpPr>
+        <p:spPr>
+          <a:xfrm>
+            <a:off x="11213633" y="7978008"/>
+            <a:ext cx="3726042" cy="2630285"/>
+          </a:xfrm>
+          <a:prstGeom prst="rect">
+            <a:avLst/>
+          </a:prstGeom>
+          <a:solidFill>
+            <a:schemeClr val="bg1"/>
+          </a:solidFill>
+          <a:ln w="57150" cap="flat" cmpd="sng" algn="ctr">
+            <a:solidFill>
+              <a:schemeClr val="tx1"/>
+            </a:solidFill>
+            <a:prstDash val="solid"/>
+            <a:round/>
+            <a:headEnd type="none" w="med" len="med"/>
+            <a:tailEnd type="none" w="med" len="med"/>
+          </a:ln>
+        </p:spPr>
+        <p:style>
+          <a:lnRef idx="0">
+            <a:scrgbClr r="0" g="0" b="0"/>
+          </a:lnRef>
+          <a:fillRef idx="0">
+            <a:scrgbClr r="0" g="0" b="0"/>
+          </a:fillRef>
+          <a:effectRef idx="0">
+            <a:scrgbClr r="0" g="0" b="0"/>
+          </a:effectRef>
+          <a:fontRef idx="minor">
+            <a:schemeClr val="dk1"/>
+          </a:fontRef>
+        </p:style>
+        <p:txBody>
+          <a:bodyPr rtlCol="0" anchor="ctr"/>
+          <a:lstStyle/>
+          <a:p>
+            <a:pPr marL="72000"/>
+            <a:r>
+              <a:rPr lang="fr-FR" dirty="0">
+                <a:cs typeface="Arial" panose="020B0604020202020204" pitchFamily="34" charset="0"/>
+              </a:rPr>
+              <a:t>Nom : 		……………………… </a:t>
+            </a:r>
+          </a:p>
+          <a:p>
+            <a:pPr marL="72000"/>
+            <a:endParaRPr lang="fr-FR" dirty="0">
+              <a:cs typeface="Arial" panose="020B0604020202020204" pitchFamily="34" charset="0"/>
+            </a:endParaRPr>
+          </a:p>
+          <a:p>
+            <a:pPr marL="72000"/>
+            <a:r>
+              <a:rPr lang="fr-FR" dirty="0">
+                <a:cs typeface="Arial" panose="020B0604020202020204" pitchFamily="34" charset="0"/>
+              </a:rPr>
+              <a:t>Prénom : 	………………………</a:t>
+            </a:r>
+          </a:p>
+          <a:p>
+            <a:pPr marL="72000"/>
+            <a:endParaRPr lang="fr-FR" dirty="0">
+              <a:cs typeface="Arial" panose="020B0604020202020204" pitchFamily="34" charset="0"/>
+            </a:endParaRPr>
+          </a:p>
+          <a:p>
+            <a:pPr marL="72000"/>
+            <a:r>
+              <a:rPr lang="fr-FR" dirty="0">
+                <a:cs typeface="Arial" panose="020B0604020202020204" pitchFamily="34" charset="0"/>
+              </a:rPr>
+              <a:t>Classe : 		………………………</a:t>
+            </a:r>
+          </a:p>
+          <a:p>
+            <a:pPr marL="72000"/>
+            <a:endParaRPr lang="fr-FR" dirty="0">
+              <a:cs typeface="Arial" panose="020B0604020202020204" pitchFamily="34" charset="0"/>
+            </a:endParaRPr>
+          </a:p>
+          <a:p>
+            <a:pPr marL="72000"/>
+            <a:r>
+              <a:rPr lang="fr-FR" dirty="0">
+                <a:cs typeface="Arial" panose="020B0604020202020204" pitchFamily="34" charset="0"/>
+              </a:rPr>
+              <a:t>Note : 		…………………../20</a:t>
+            </a:r>
+          </a:p>
+        </p:txBody>
+      </p:sp>
+    </p:spTree>
+    <p:extLst>
+      <p:ext uri="{BB962C8B-B14F-4D97-AF65-F5344CB8AC3E}">
+        <p14:creationId xmlns:p14="http://schemas.microsoft.com/office/powerpoint/2010/main" val="3261552081"/>
       </p:ext>
     </p:extLst>
   </p:cSld>
@@ -7562,6 +8946,196 @@
 </p:sld>
 </file>
 
+<file path=ppt/slides/slide20.xml><?xml version="1.0" encoding="utf-8"?>
+<p:sld xmlns:a="http://schemas.openxmlformats.org/drawingml/2006/main" xmlns:r="http://schemas.openxmlformats.org/officeDocument/2006/relationships" xmlns:p="http://schemas.openxmlformats.org/presentationml/2006/main">
+  <p:cSld>
+    <p:spTree>
+      <p:nvGrpSpPr>
+        <p:cNvPr id="1" name=""/>
+        <p:cNvGrpSpPr/>
+        <p:nvPr/>
+      </p:nvGrpSpPr>
+      <p:grpSpPr>
+        <a:xfrm>
+          <a:off x="0" y="0"/>
+          <a:ext cx="0" cy="0"/>
+          <a:chOff x="0" y="0"/>
+          <a:chExt cx="0" cy="0"/>
+        </a:xfrm>
+      </p:grpSpPr>
+      <p:sp>
+        <p:nvSpPr>
+          <p:cNvPr id="17" name="Rectangle 16"/>
+          <p:cNvSpPr/>
+          <p:nvPr/>
+        </p:nvSpPr>
+        <p:spPr>
+          <a:xfrm>
+            <a:off x="171451" y="179881"/>
+            <a:ext cx="14782800" cy="10440000"/>
+          </a:xfrm>
+          <a:prstGeom prst="rect">
+            <a:avLst/>
+          </a:prstGeom>
+          <a:ln w="57150">
+            <a:solidFill>
+              <a:schemeClr val="bg1"/>
+            </a:solidFill>
+          </a:ln>
+        </p:spPr>
+        <p:style>
+          <a:lnRef idx="2">
+            <a:schemeClr val="dk1"/>
+          </a:lnRef>
+          <a:fillRef idx="1">
+            <a:schemeClr val="lt1"/>
+          </a:fillRef>
+          <a:effectRef idx="0">
+            <a:schemeClr val="dk1"/>
+          </a:effectRef>
+          <a:fontRef idx="minor">
+            <a:schemeClr val="dk1"/>
+          </a:fontRef>
+        </p:style>
+        <p:txBody>
+          <a:bodyPr rtlCol="0" anchor="ctr"/>
+          <a:lstStyle/>
+          <a:p>
+            <a:pPr marL="72000" algn="ctr">
+              <a:lnSpc>
+                <a:spcPct val="120000"/>
+              </a:lnSpc>
+            </a:pPr>
+            <a:r>
+              <a:rPr lang="fr-FR" sz="4000" b="1" dirty="0">
+                <a:solidFill>
+                  <a:schemeClr val="tx1"/>
+                </a:solidFill>
+                <a:latin typeface="Comic Sans MS" panose="030F0702030302020204" pitchFamily="66" charset="0"/>
+                <a:ea typeface="JetBrains Mono" panose="02000009000000000000" pitchFamily="49" charset="0"/>
+                <a:cs typeface="Arial" panose="020B0604020202020204" pitchFamily="34" charset="0"/>
+              </a:rPr>
+              <a:t>Les escaliers</a:t>
+            </a:r>
+            <a:endParaRPr lang="fr-FR" sz="4000" dirty="0">
+              <a:solidFill>
+                <a:schemeClr val="tx1"/>
+              </a:solidFill>
+              <a:latin typeface="Comic Sans MS" panose="030F0702030302020204" pitchFamily="66" charset="0"/>
+              <a:ea typeface="JetBrains Mono" panose="02000009000000000000" pitchFamily="49" charset="0"/>
+              <a:cs typeface="Arial" panose="020B0604020202020204" pitchFamily="34" charset="0"/>
+            </a:endParaRPr>
+          </a:p>
+        </p:txBody>
+      </p:sp>
+    </p:spTree>
+    <p:extLst>
+      <p:ext uri="{BB962C8B-B14F-4D97-AF65-F5344CB8AC3E}">
+        <p14:creationId xmlns:p14="http://schemas.microsoft.com/office/powerpoint/2010/main" val="3703245594"/>
+      </p:ext>
+    </p:extLst>
+  </p:cSld>
+  <p:clrMapOvr>
+    <a:masterClrMapping/>
+  </p:clrMapOvr>
+</p:sld>
+</file>
+
+<file path=ppt/slides/slide21.xml><?xml version="1.0" encoding="utf-8"?>
+<p:sld xmlns:a="http://schemas.openxmlformats.org/drawingml/2006/main" xmlns:r="http://schemas.openxmlformats.org/officeDocument/2006/relationships" xmlns:p="http://schemas.openxmlformats.org/presentationml/2006/main">
+  <p:cSld>
+    <p:spTree>
+      <p:nvGrpSpPr>
+        <p:cNvPr id="1" name=""/>
+        <p:cNvGrpSpPr/>
+        <p:nvPr/>
+      </p:nvGrpSpPr>
+      <p:grpSpPr>
+        <a:xfrm>
+          <a:off x="0" y="0"/>
+          <a:ext cx="0" cy="0"/>
+          <a:chOff x="0" y="0"/>
+          <a:chExt cx="0" cy="0"/>
+        </a:xfrm>
+      </p:grpSpPr>
+      <p:sp>
+        <p:nvSpPr>
+          <p:cNvPr id="17" name="Rectangle 16"/>
+          <p:cNvSpPr/>
+          <p:nvPr/>
+        </p:nvSpPr>
+        <p:spPr>
+          <a:xfrm>
+            <a:off x="171451" y="179881"/>
+            <a:ext cx="14782800" cy="10440000"/>
+          </a:xfrm>
+          <a:prstGeom prst="rect">
+            <a:avLst/>
+          </a:prstGeom>
+          <a:ln w="57150">
+            <a:solidFill>
+              <a:schemeClr val="bg1"/>
+            </a:solidFill>
+          </a:ln>
+        </p:spPr>
+        <p:style>
+          <a:lnRef idx="2">
+            <a:schemeClr val="dk1"/>
+          </a:lnRef>
+          <a:fillRef idx="1">
+            <a:schemeClr val="lt1"/>
+          </a:fillRef>
+          <a:effectRef idx="0">
+            <a:schemeClr val="dk1"/>
+          </a:effectRef>
+          <a:fontRef idx="minor">
+            <a:schemeClr val="dk1"/>
+          </a:fontRef>
+        </p:style>
+        <p:txBody>
+          <a:bodyPr rtlCol="0" anchor="ctr"/>
+          <a:lstStyle/>
+          <a:p>
+            <a:pPr marL="72000" algn="ctr">
+              <a:lnSpc>
+                <a:spcPct val="120000"/>
+              </a:lnSpc>
+            </a:pPr>
+            <a:r>
+              <a:rPr lang="fr-FR" sz="4000" b="1" dirty="0">
+                <a:solidFill>
+                  <a:schemeClr val="tx1"/>
+                </a:solidFill>
+                <a:latin typeface="Comic Sans MS" panose="030F0702030302020204" pitchFamily="66" charset="0"/>
+                <a:ea typeface="JetBrains Mono" panose="02000009000000000000" pitchFamily="49" charset="0"/>
+                <a:cs typeface="Arial" panose="020B0604020202020204" pitchFamily="34" charset="0"/>
+              </a:rPr>
+              <a:t>La résistance des matériaux</a:t>
+            </a:r>
+            <a:endParaRPr lang="fr-FR" sz="4000" dirty="0">
+              <a:solidFill>
+                <a:schemeClr val="tx1"/>
+              </a:solidFill>
+              <a:latin typeface="Comic Sans MS" panose="030F0702030302020204" pitchFamily="66" charset="0"/>
+              <a:ea typeface="JetBrains Mono" panose="02000009000000000000" pitchFamily="49" charset="0"/>
+              <a:cs typeface="Arial" panose="020B0604020202020204" pitchFamily="34" charset="0"/>
+            </a:endParaRPr>
+          </a:p>
+        </p:txBody>
+      </p:sp>
+    </p:spTree>
+    <p:extLst>
+      <p:ext uri="{BB962C8B-B14F-4D97-AF65-F5344CB8AC3E}">
+        <p14:creationId xmlns:p14="http://schemas.microsoft.com/office/powerpoint/2010/main" val="1773289204"/>
+      </p:ext>
+    </p:extLst>
+  </p:cSld>
+  <p:clrMapOvr>
+    <a:masterClrMapping/>
+  </p:clrMapOvr>
+</p:sld>
+</file>
+
 <file path=ppt/slides/slide3.xml><?xml version="1.0" encoding="utf-8"?>
 <p:sld xmlns:a="http://schemas.openxmlformats.org/drawingml/2006/main" xmlns:r="http://schemas.openxmlformats.org/officeDocument/2006/relationships" xmlns:p="http://schemas.openxmlformats.org/presentationml/2006/main">
   <p:cSld>
